--- a/000_First 5 days of Class_Before Specifics/Day_001.pptx
+++ b/000_First 5 days of Class_Before Specifics/Day_001.pptx
@@ -5,22 +5,24 @@
     <p:sldMasterId id="2147483648" r:id="rId1"/>
   </p:sldMasterIdLst>
   <p:notesMasterIdLst>
-    <p:notesMasterId r:id="rId15"/>
+    <p:notesMasterId r:id="rId17"/>
   </p:notesMasterIdLst>
   <p:sldIdLst>
     <p:sldId id="256" r:id="rId2"/>
-    <p:sldId id="269" r:id="rId3"/>
-    <p:sldId id="285" r:id="rId4"/>
-    <p:sldId id="276" r:id="rId5"/>
-    <p:sldId id="277" r:id="rId6"/>
-    <p:sldId id="278" r:id="rId7"/>
-    <p:sldId id="280" r:id="rId8"/>
-    <p:sldId id="279" r:id="rId9"/>
-    <p:sldId id="281" r:id="rId10"/>
-    <p:sldId id="283" r:id="rId11"/>
-    <p:sldId id="284" r:id="rId12"/>
-    <p:sldId id="275" r:id="rId13"/>
-    <p:sldId id="273" r:id="rId14"/>
+    <p:sldId id="286" r:id="rId3"/>
+    <p:sldId id="269" r:id="rId4"/>
+    <p:sldId id="285" r:id="rId5"/>
+    <p:sldId id="276" r:id="rId6"/>
+    <p:sldId id="277" r:id="rId7"/>
+    <p:sldId id="278" r:id="rId8"/>
+    <p:sldId id="280" r:id="rId9"/>
+    <p:sldId id="279" r:id="rId10"/>
+    <p:sldId id="281" r:id="rId11"/>
+    <p:sldId id="287" r:id="rId12"/>
+    <p:sldId id="283" r:id="rId13"/>
+    <p:sldId id="284" r:id="rId14"/>
+    <p:sldId id="275" r:id="rId15"/>
+    <p:sldId id="273" r:id="rId16"/>
   </p:sldIdLst>
   <p:sldSz cx="12192000" cy="6858000"/>
   <p:notesSz cx="6858000" cy="9144000"/>
@@ -209,7 +211,7 @@
           <a:p>
             <a:fld id="{FDC74F93-3CDB-254B-A713-DEBB783BCF51}" type="datetimeFigureOut">
               <a:rPr lang="en-US" smtClean="0"/>
-              <a:t>8/17/2018</a:t>
+              <a:t>12/12/2018</a:t>
             </a:fld>
             <a:endParaRPr lang="en-US"/>
           </a:p>
@@ -647,7 +649,7 @@
             <a:fld id="{87DE6118-2437-4B30-8E3C-4D2BE6020583}" type="datetimeFigureOut">
               <a:rPr lang="en-US" dirty="0"/>
               <a:pPr/>
-              <a:t>8/17/2018</a:t>
+              <a:t>12/12/2018</a:t>
             </a:fld>
             <a:endParaRPr lang="en-US" dirty="0"/>
           </a:p>
@@ -973,7 +975,7 @@
           <a:p>
             <a:fld id="{87DE6118-2437-4B30-8E3C-4D2BE6020583}" type="datetimeFigureOut">
               <a:rPr lang="en-US" dirty="0"/>
-              <a:t>8/17/2018</a:t>
+              <a:t>12/12/2018</a:t>
             </a:fld>
             <a:endParaRPr lang="en-US" dirty="0"/>
           </a:p>
@@ -1148,7 +1150,7 @@
           <a:p>
             <a:fld id="{87DE6118-2437-4B30-8E3C-4D2BE6020583}" type="datetimeFigureOut">
               <a:rPr lang="en-US" dirty="0"/>
-              <a:t>8/17/2018</a:t>
+              <a:t>12/12/2018</a:t>
             </a:fld>
             <a:endParaRPr lang="en-US" dirty="0"/>
           </a:p>
@@ -1313,7 +1315,7 @@
           <a:p>
             <a:fld id="{87DE6118-2437-4B30-8E3C-4D2BE6020583}" type="datetimeFigureOut">
               <a:rPr lang="en-US" dirty="0"/>
-              <a:t>8/17/2018</a:t>
+              <a:t>12/12/2018</a:t>
             </a:fld>
             <a:endParaRPr lang="en-US" dirty="0"/>
           </a:p>
@@ -1586,7 +1588,7 @@
             <a:fld id="{87DE6118-2437-4B30-8E3C-4D2BE6020583}" type="datetimeFigureOut">
               <a:rPr lang="en-US" dirty="0"/>
               <a:pPr/>
-              <a:t>8/17/2018</a:t>
+              <a:t>12/12/2018</a:t>
             </a:fld>
             <a:endParaRPr lang="en-US" dirty="0"/>
           </a:p>
@@ -1976,7 +1978,7 @@
           <a:p>
             <a:fld id="{87DE6118-2437-4B30-8E3C-4D2BE6020583}" type="datetimeFigureOut">
               <a:rPr lang="en-US" dirty="0"/>
-              <a:t>8/17/2018</a:t>
+              <a:t>12/12/2018</a:t>
             </a:fld>
             <a:endParaRPr lang="en-US" dirty="0"/>
           </a:p>
@@ -2448,7 +2450,7 @@
           <a:p>
             <a:fld id="{87DE6118-2437-4B30-8E3C-4D2BE6020583}" type="datetimeFigureOut">
               <a:rPr lang="en-US" dirty="0"/>
-              <a:t>8/17/2018</a:t>
+              <a:t>12/12/2018</a:t>
             </a:fld>
             <a:endParaRPr lang="en-US" dirty="0"/>
           </a:p>
@@ -2561,7 +2563,7 @@
           <a:p>
             <a:fld id="{87DE6118-2437-4B30-8E3C-4D2BE6020583}" type="datetimeFigureOut">
               <a:rPr lang="en-US" dirty="0"/>
-              <a:t>8/17/2018</a:t>
+              <a:t>12/12/2018</a:t>
             </a:fld>
             <a:endParaRPr lang="en-US" dirty="0"/>
           </a:p>
@@ -2651,7 +2653,7 @@
           <a:p>
             <a:fld id="{87DE6118-2437-4B30-8E3C-4D2BE6020583}" type="datetimeFigureOut">
               <a:rPr lang="en-US" dirty="0"/>
-              <a:t>8/17/2018</a:t>
+              <a:t>12/12/2018</a:t>
             </a:fld>
             <a:endParaRPr lang="en-US" dirty="0"/>
           </a:p>
@@ -2993,7 +2995,7 @@
             <a:fld id="{87DE6118-2437-4B30-8E3C-4D2BE6020583}" type="datetimeFigureOut">
               <a:rPr lang="en-US" dirty="0"/>
               <a:pPr/>
-              <a:t>8/17/2018</a:t>
+              <a:t>12/12/2018</a:t>
             </a:fld>
             <a:endParaRPr lang="en-US" dirty="0"/>
           </a:p>
@@ -3378,7 +3380,7 @@
             <a:fld id="{87DE6118-2437-4B30-8E3C-4D2BE6020583}" type="datetimeFigureOut">
               <a:rPr lang="en-US" dirty="0"/>
               <a:pPr/>
-              <a:t>8/17/2018</a:t>
+              <a:t>12/12/2018</a:t>
             </a:fld>
             <a:endParaRPr lang="en-US" dirty="0"/>
           </a:p>
@@ -3653,7 +3655,7 @@
             <a:fld id="{87DE6118-2437-4B30-8E3C-4D2BE6020583}" type="datetimeFigureOut">
               <a:rPr lang="en-US" dirty="0"/>
               <a:pPr/>
-              <a:t>8/17/2018</a:t>
+              <a:t>12/12/2018</a:t>
             </a:fld>
             <a:endParaRPr lang="en-US" dirty="0"/>
           </a:p>
@@ -4251,6 +4253,184 @@
           <a:chExt cx="0" cy="0"/>
         </a:xfrm>
       </p:grpSpPr>
+      <p:sp>
+        <p:nvSpPr>
+          <p:cNvPr id="2" name="Title 1"/>
+          <p:cNvSpPr>
+            <a:spLocks noGrp="1"/>
+          </p:cNvSpPr>
+          <p:nvPr>
+            <p:ph type="title"/>
+          </p:nvPr>
+        </p:nvSpPr>
+        <p:spPr/>
+        <p:txBody>
+          <a:bodyPr/>
+          <a:lstStyle/>
+          <a:p>
+            <a:r>
+              <a:rPr lang="en-US" dirty="0" smtClean="0"/>
+              <a:t>Video</a:t>
+            </a:r>
+            <a:endParaRPr lang="en-US" dirty="0"/>
+          </a:p>
+        </p:txBody>
+      </p:sp>
+      <p:sp>
+        <p:nvSpPr>
+          <p:cNvPr id="3" name="Content Placeholder 2"/>
+          <p:cNvSpPr>
+            <a:spLocks noGrp="1"/>
+          </p:cNvSpPr>
+          <p:nvPr>
+            <p:ph idx="1"/>
+          </p:nvPr>
+        </p:nvSpPr>
+        <p:spPr/>
+        <p:txBody>
+          <a:bodyPr>
+            <a:normAutofit/>
+          </a:bodyPr>
+          <a:lstStyle/>
+          <a:p>
+            <a:r>
+              <a:rPr lang="en-US" sz="3400" dirty="0"/>
+              <a:t>https://bhi61nm2cr3mkdgk1dtaov18-wpengine.netdna-ssl.com/wp-content/uploads/2017/07/Day-2-Brain-Crossing.mp4</a:t>
+            </a:r>
+          </a:p>
+        </p:txBody>
+      </p:sp>
+    </p:spTree>
+    <p:extLst>
+      <p:ext uri="{BB962C8B-B14F-4D97-AF65-F5344CB8AC3E}">
+        <p14:creationId xmlns:p14="http://schemas.microsoft.com/office/powerpoint/2010/main" val="853545350"/>
+      </p:ext>
+    </p:extLst>
+  </p:cSld>
+  <p:clrMapOvr>
+    <a:masterClrMapping/>
+  </p:clrMapOvr>
+</p:sld>
+</file>
+
+<file path=ppt/slides/slide11.xml><?xml version="1.0" encoding="utf-8"?>
+<p:sld xmlns:a="http://schemas.openxmlformats.org/drawingml/2006/main" xmlns:r="http://schemas.openxmlformats.org/officeDocument/2006/relationships" xmlns:p="http://schemas.openxmlformats.org/presentationml/2006/main">
+  <p:cSld>
+    <p:spTree>
+      <p:nvGrpSpPr>
+        <p:cNvPr id="1" name=""/>
+        <p:cNvGrpSpPr/>
+        <p:nvPr/>
+      </p:nvGrpSpPr>
+      <p:grpSpPr>
+        <a:xfrm>
+          <a:off x="0" y="0"/>
+          <a:ext cx="0" cy="0"/>
+          <a:chOff x="0" y="0"/>
+          <a:chExt cx="0" cy="0"/>
+        </a:xfrm>
+      </p:grpSpPr>
+      <p:sp>
+        <p:nvSpPr>
+          <p:cNvPr id="2" name="Title 1"/>
+          <p:cNvSpPr>
+            <a:spLocks noGrp="1"/>
+          </p:cNvSpPr>
+          <p:nvPr>
+            <p:ph type="title"/>
+          </p:nvPr>
+        </p:nvSpPr>
+        <p:spPr/>
+        <p:txBody>
+          <a:bodyPr/>
+          <a:lstStyle/>
+          <a:p>
+            <a:r>
+              <a:rPr lang="en-US" dirty="0" smtClean="0"/>
+              <a:t>Continue the following Pattern…</a:t>
+            </a:r>
+            <a:endParaRPr lang="en-US" dirty="0"/>
+          </a:p>
+        </p:txBody>
+      </p:sp>
+      <p:sp>
+        <p:nvSpPr>
+          <p:cNvPr id="3" name="Content Placeholder 2"/>
+          <p:cNvSpPr>
+            <a:spLocks noGrp="1"/>
+          </p:cNvSpPr>
+          <p:nvPr>
+            <p:ph idx="1"/>
+          </p:nvPr>
+        </p:nvSpPr>
+        <p:spPr>
+          <a:xfrm>
+            <a:off x="1371600" y="1593477"/>
+            <a:ext cx="9601200" cy="3581400"/>
+          </a:xfrm>
+        </p:spPr>
+        <p:txBody>
+          <a:bodyPr>
+            <a:noAutofit/>
+          </a:bodyPr>
+          <a:lstStyle/>
+          <a:p>
+            <a:r>
+              <a:rPr lang="en-US" sz="3400" dirty="0" smtClean="0"/>
+              <a:t>1.) Describe what you notice about the pattern</a:t>
+            </a:r>
+          </a:p>
+          <a:p>
+            <a:r>
+              <a:rPr lang="en-US" sz="3400" dirty="0" smtClean="0"/>
+              <a:t>2.) Use your description to expand the pattern beyond the first 35 numbers (lets shoot for 50). </a:t>
+            </a:r>
+          </a:p>
+          <a:p>
+            <a:r>
+              <a:rPr lang="en-US" sz="3400" dirty="0" smtClean="0"/>
+              <a:t>3.) Let’s talk about the process of recognizing the pattern, and compare it to applying it to your expanded pattern. </a:t>
+            </a:r>
+          </a:p>
+          <a:p>
+            <a:r>
+              <a:rPr lang="en-US" sz="3400" dirty="0" smtClean="0"/>
+              <a:t>4.) What did you notice about even numbers? Multiples of 3? 4? 5? What did you notice about prime numbers? </a:t>
+            </a:r>
+            <a:endParaRPr lang="en-US" sz="3400" dirty="0"/>
+          </a:p>
+        </p:txBody>
+      </p:sp>
+    </p:spTree>
+    <p:extLst>
+      <p:ext uri="{BB962C8B-B14F-4D97-AF65-F5344CB8AC3E}">
+        <p14:creationId xmlns:p14="http://schemas.microsoft.com/office/powerpoint/2010/main" val="689442613"/>
+      </p:ext>
+    </p:extLst>
+  </p:cSld>
+  <p:clrMapOvr>
+    <a:masterClrMapping/>
+  </p:clrMapOvr>
+</p:sld>
+</file>
+
+<file path=ppt/slides/slide12.xml><?xml version="1.0" encoding="utf-8"?>
+<p:sld xmlns:a="http://schemas.openxmlformats.org/drawingml/2006/main" xmlns:r="http://schemas.openxmlformats.org/officeDocument/2006/relationships" xmlns:p="http://schemas.openxmlformats.org/presentationml/2006/main">
+  <p:cSld>
+    <p:spTree>
+      <p:nvGrpSpPr>
+        <p:cNvPr id="1" name=""/>
+        <p:cNvGrpSpPr/>
+        <p:nvPr/>
+      </p:nvGrpSpPr>
+      <p:grpSpPr>
+        <a:xfrm>
+          <a:off x="0" y="0"/>
+          <a:ext cx="0" cy="0"/>
+          <a:chOff x="0" y="0"/>
+          <a:chExt cx="0" cy="0"/>
+        </a:xfrm>
+      </p:grpSpPr>
       <p:pic>
         <p:nvPicPr>
           <p:cNvPr id="3" name="Picture 2"/>
@@ -4288,7 +4468,7 @@
 </p:sld>
 </file>
 
-<file path=ppt/slides/slide11.xml><?xml version="1.0" encoding="utf-8"?>
+<file path=ppt/slides/slide13.xml><?xml version="1.0" encoding="utf-8"?>
 <p:sld xmlns:a="http://schemas.openxmlformats.org/drawingml/2006/main" xmlns:r="http://schemas.openxmlformats.org/officeDocument/2006/relationships" xmlns:p="http://schemas.openxmlformats.org/presentationml/2006/main">
   <p:cSld>
     <p:spTree>
@@ -4348,7 +4528,7 @@
 </p:sld>
 </file>
 
-<file path=ppt/slides/slide12.xml><?xml version="1.0" encoding="utf-8"?>
+<file path=ppt/slides/slide14.xml><?xml version="1.0" encoding="utf-8"?>
 <p:sld xmlns:a="http://schemas.openxmlformats.org/drawingml/2006/main" xmlns:r="http://schemas.openxmlformats.org/officeDocument/2006/relationships" xmlns:p="http://schemas.openxmlformats.org/presentationml/2006/main">
   <p:cSld>
     <p:spTree>
@@ -4407,7 +4587,24 @@
           <a:p>
             <a:r>
               <a:rPr lang="en-US" sz="3400" dirty="0" smtClean="0"/>
-              <a:t>What do you want me to know about you in order to make this year the best year you’ve had in a math classroom? </a:t>
+              <a:t>What do you want me to know about you in order to make this year the best year you’ve had in a math classroom</a:t>
+            </a:r>
+            <a:r>
+              <a:rPr lang="en-US" sz="3400" dirty="0" smtClean="0"/>
+              <a:t>?</a:t>
+            </a:r>
+          </a:p>
+          <a:p>
+            <a:endParaRPr lang="en-US" sz="3400" dirty="0"/>
+          </a:p>
+          <a:p>
+            <a:r>
+              <a:rPr lang="en-US" sz="3400" dirty="0" smtClean="0"/>
+              <a:t> Go back to the patterns you created. Explain what you see happening with </a:t>
+            </a:r>
+            <a:r>
+              <a:rPr lang="en-US" sz="3400" smtClean="0"/>
+              <a:t>perfect squares. </a:t>
             </a:r>
             <a:endParaRPr lang="en-US" sz="3400" dirty="0"/>
           </a:p>
@@ -4433,7 +4630,7 @@
 </p:sld>
 </file>
 
-<file path=ppt/slides/slide13.xml><?xml version="1.0" encoding="utf-8"?>
+<file path=ppt/slides/slide15.xml><?xml version="1.0" encoding="utf-8"?>
 <p:sld xmlns:a="http://schemas.openxmlformats.org/drawingml/2006/main" xmlns:r="http://schemas.openxmlformats.org/officeDocument/2006/relationships" xmlns:p="http://schemas.openxmlformats.org/presentationml/2006/main">
   <p:cSld>
     <p:spTree>
@@ -4467,13 +4664,13 @@
           <a:p>
             <a:r>
               <a:rPr lang="en-US" dirty="0" smtClean="0"/>
-              <a:t>What about </a:t>
-            </a:r>
-            <a:r>
-              <a:rPr lang="en-US" smtClean="0"/>
-              <a:t>the following? </a:t>
-            </a:r>
-            <a:endParaRPr lang="en-US"/>
+              <a:t>Additional </a:t>
+            </a:r>
+            <a:r>
+              <a:rPr lang="en-US" smtClean="0"/>
+              <a:t>Dot Problem. </a:t>
+            </a:r>
+            <a:endParaRPr lang="en-US" dirty="0"/>
           </a:p>
         </p:txBody>
       </p:sp>
@@ -4555,6 +4752,109 @@
         </p:nvSpPr>
         <p:spPr/>
         <p:txBody>
+          <a:bodyPr/>
+          <a:lstStyle/>
+          <a:p>
+            <a:endParaRPr lang="en-US" dirty="0"/>
+          </a:p>
+        </p:txBody>
+      </p:sp>
+      <p:sp>
+        <p:nvSpPr>
+          <p:cNvPr id="3" name="Content Placeholder 2"/>
+          <p:cNvSpPr>
+            <a:spLocks noGrp="1"/>
+          </p:cNvSpPr>
+          <p:nvPr>
+            <p:ph idx="1"/>
+          </p:nvPr>
+        </p:nvSpPr>
+        <p:spPr/>
+        <p:txBody>
+          <a:bodyPr/>
+          <a:lstStyle/>
+          <a:p>
+            <a:r>
+              <a:rPr lang="en-US" b="1" dirty="0" smtClean="0"/>
+              <a:t>Objective</a:t>
+            </a:r>
+            <a:r>
+              <a:rPr lang="en-US" dirty="0" smtClean="0"/>
+              <a:t>: Students will be able to visualize their way of thinking, and relate it to math through pictures. </a:t>
+            </a:r>
+          </a:p>
+          <a:p>
+            <a:endParaRPr lang="en-US" dirty="0"/>
+          </a:p>
+          <a:p>
+            <a:endParaRPr lang="en-US" dirty="0" smtClean="0"/>
+          </a:p>
+          <a:p>
+            <a:r>
+              <a:rPr lang="en-US" b="1" dirty="0" smtClean="0"/>
+              <a:t>HLQ (Higher Level Questions)</a:t>
+            </a:r>
+            <a:r>
+              <a:rPr lang="en-US" dirty="0" smtClean="0"/>
+              <a:t>: How is finding patterns within a picture applicable to your day to day learning in a math classroom? </a:t>
+            </a:r>
+          </a:p>
+          <a:p>
+            <a:pPr lvl="3"/>
+            <a:endParaRPr lang="en-US" dirty="0" smtClean="0"/>
+          </a:p>
+          <a:p>
+            <a:pPr lvl="3"/>
+            <a:r>
+              <a:rPr lang="en-US" dirty="0" smtClean="0"/>
+              <a:t>Note: There are some HLQs mixed into the lesson that will represent a typical HLQ, but with today being the first day – I wanted you to get comfortable with the concept – you will see these everyday.  </a:t>
+            </a:r>
+            <a:endParaRPr lang="en-US" dirty="0"/>
+          </a:p>
+        </p:txBody>
+      </p:sp>
+    </p:spTree>
+    <p:extLst>
+      <p:ext uri="{BB962C8B-B14F-4D97-AF65-F5344CB8AC3E}">
+        <p14:creationId xmlns:p14="http://schemas.microsoft.com/office/powerpoint/2010/main" val="2161255294"/>
+      </p:ext>
+    </p:extLst>
+  </p:cSld>
+  <p:clrMapOvr>
+    <a:masterClrMapping/>
+  </p:clrMapOvr>
+</p:sld>
+</file>
+
+<file path=ppt/slides/slide3.xml><?xml version="1.0" encoding="utf-8"?>
+<p:sld xmlns:a="http://schemas.openxmlformats.org/drawingml/2006/main" xmlns:r="http://schemas.openxmlformats.org/officeDocument/2006/relationships" xmlns:p="http://schemas.openxmlformats.org/presentationml/2006/main">
+  <p:cSld>
+    <p:spTree>
+      <p:nvGrpSpPr>
+        <p:cNvPr id="1" name=""/>
+        <p:cNvGrpSpPr/>
+        <p:nvPr/>
+      </p:nvGrpSpPr>
+      <p:grpSpPr>
+        <a:xfrm>
+          <a:off x="0" y="0"/>
+          <a:ext cx="0" cy="0"/>
+          <a:chOff x="0" y="0"/>
+          <a:chExt cx="0" cy="0"/>
+        </a:xfrm>
+      </p:grpSpPr>
+      <p:sp>
+        <p:nvSpPr>
+          <p:cNvPr id="2" name="Title 1"/>
+          <p:cNvSpPr>
+            <a:spLocks noGrp="1"/>
+          </p:cNvSpPr>
+          <p:nvPr>
+            <p:ph type="title"/>
+          </p:nvPr>
+        </p:nvSpPr>
+        <p:spPr/>
+        <p:txBody>
           <a:bodyPr>
             <a:normAutofit/>
           </a:bodyPr>
@@ -4621,7 +4921,7 @@
 </p:sld>
 </file>
 
-<file path=ppt/slides/slide3.xml><?xml version="1.0" encoding="utf-8"?>
+<file path=ppt/slides/slide4.xml><?xml version="1.0" encoding="utf-8"?>
 <p:sld xmlns:a="http://schemas.openxmlformats.org/drawingml/2006/main" xmlns:r="http://schemas.openxmlformats.org/officeDocument/2006/relationships" xmlns:p="http://schemas.openxmlformats.org/presentationml/2006/main">
   <p:cSld>
     <p:spTree>
@@ -4651,15 +4951,46 @@
         <p:spPr/>
         <p:txBody>
           <a:bodyPr>
-            <a:normAutofit fontScale="90000"/>
+            <a:normAutofit/>
           </a:bodyPr>
           <a:lstStyle/>
           <a:p>
             <a:r>
               <a:rPr lang="en-US" dirty="0" smtClean="0"/>
+              <a:t>Thinking about math differently… </a:t>
+            </a:r>
+            <a:endParaRPr lang="en-US" dirty="0"/>
+          </a:p>
+        </p:txBody>
+      </p:sp>
+      <p:sp>
+        <p:nvSpPr>
+          <p:cNvPr id="3" name="Rectangle 2"/>
+          <p:cNvSpPr/>
+          <p:nvPr/>
+        </p:nvSpPr>
+        <p:spPr>
+          <a:xfrm>
+            <a:off x="1371600" y="2171700"/>
+            <a:ext cx="8491818" cy="1138773"/>
+          </a:xfrm>
+          <a:prstGeom prst="rect">
+            <a:avLst/>
+          </a:prstGeom>
+        </p:spPr>
+        <p:txBody>
+          <a:bodyPr wrap="square">
+            <a:spAutoFit/>
+          </a:bodyPr>
+          <a:lstStyle/>
+          <a:p>
+            <a:r>
+              <a:rPr lang="en-US" sz="3400" dirty="0">
+                <a:latin typeface="Times New Roman" panose="02020603050405020304" pitchFamily="18" charset="0"/>
+                <a:cs typeface="Times New Roman" panose="02020603050405020304" pitchFamily="18" charset="0"/>
+              </a:rPr>
               <a:t>How would you describe a circle to someone who doesn’t know about shapes?</a:t>
             </a:r>
-            <a:endParaRPr lang="en-US" dirty="0"/>
           </a:p>
         </p:txBody>
       </p:sp>
@@ -4683,7 +5014,7 @@
 </p:sld>
 </file>
 
-<file path=ppt/slides/slide4.xml><?xml version="1.0" encoding="utf-8"?>
+<file path=ppt/slides/slide5.xml><?xml version="1.0" encoding="utf-8"?>
 <p:sld xmlns:a="http://schemas.openxmlformats.org/drawingml/2006/main" xmlns:r="http://schemas.openxmlformats.org/officeDocument/2006/relationships" xmlns:p="http://schemas.openxmlformats.org/presentationml/2006/main">
   <p:cSld>
     <p:spTree>
@@ -4800,97 +5131,6 @@
 </p:sld>
 </file>
 
-<file path=ppt/slides/slide5.xml><?xml version="1.0" encoding="utf-8"?>
-<p:sld xmlns:a="http://schemas.openxmlformats.org/drawingml/2006/main" xmlns:r="http://schemas.openxmlformats.org/officeDocument/2006/relationships" xmlns:p="http://schemas.openxmlformats.org/presentationml/2006/main">
-  <p:cSld>
-    <p:spTree>
-      <p:nvGrpSpPr>
-        <p:cNvPr id="1" name=""/>
-        <p:cNvGrpSpPr/>
-        <p:nvPr/>
-      </p:nvGrpSpPr>
-      <p:grpSpPr>
-        <a:xfrm>
-          <a:off x="0" y="0"/>
-          <a:ext cx="0" cy="0"/>
-          <a:chOff x="0" y="0"/>
-          <a:chExt cx="0" cy="0"/>
-        </a:xfrm>
-      </p:grpSpPr>
-      <p:sp>
-        <p:nvSpPr>
-          <p:cNvPr id="2" name="Title 1"/>
-          <p:cNvSpPr>
-            <a:spLocks noGrp="1"/>
-          </p:cNvSpPr>
-          <p:nvPr>
-            <p:ph type="title"/>
-          </p:nvPr>
-        </p:nvSpPr>
-        <p:spPr/>
-        <p:txBody>
-          <a:bodyPr/>
-          <a:lstStyle/>
-          <a:p>
-            <a:r>
-              <a:rPr lang="en-US" dirty="0" smtClean="0"/>
-              <a:t>Four 4’s Activity</a:t>
-            </a:r>
-            <a:endParaRPr lang="en-US" dirty="0"/>
-          </a:p>
-        </p:txBody>
-      </p:sp>
-      <p:sp>
-        <p:nvSpPr>
-          <p:cNvPr id="3" name="Content Placeholder 2"/>
-          <p:cNvSpPr>
-            <a:spLocks noGrp="1"/>
-          </p:cNvSpPr>
-          <p:nvPr>
-            <p:ph idx="1"/>
-          </p:nvPr>
-        </p:nvSpPr>
-        <p:spPr/>
-        <p:txBody>
-          <a:bodyPr>
-            <a:normAutofit/>
-          </a:bodyPr>
-          <a:lstStyle/>
-          <a:p>
-            <a:r>
-              <a:rPr lang="en-US" sz="3600" dirty="0" smtClean="0"/>
-              <a:t>Groups of 3 – 4 </a:t>
-            </a:r>
-          </a:p>
-          <a:p>
-            <a:r>
-              <a:rPr lang="en-US" sz="3600" dirty="0" smtClean="0"/>
-              <a:t>Create a list from 1–20 in which you use four 4s and any math operation</a:t>
-            </a:r>
-            <a:endParaRPr lang="en-US" sz="3600" dirty="0"/>
-          </a:p>
-        </p:txBody>
-      </p:sp>
-    </p:spTree>
-    <p:extLst>
-      <p:ext uri="{BB962C8B-B14F-4D97-AF65-F5344CB8AC3E}">
-        <p14:creationId xmlns:p14="http://schemas.microsoft.com/office/powerpoint/2010/main" val="45656652"/>
-      </p:ext>
-    </p:extLst>
-  </p:cSld>
-  <p:clrMapOvr>
-    <a:masterClrMapping/>
-  </p:clrMapOvr>
-  <p:timing>
-    <p:tnLst>
-      <p:par>
-        <p:cTn id="1" dur="indefinite" restart="never" nodeType="tmRoot"/>
-      </p:par>
-    </p:tnLst>
-  </p:timing>
-</p:sld>
-</file>
-
 <file path=ppt/slides/slide6.xml><?xml version="1.0" encoding="utf-8"?>
 <p:sld xmlns:a="http://schemas.openxmlformats.org/drawingml/2006/main" xmlns:r="http://schemas.openxmlformats.org/officeDocument/2006/relationships" xmlns:p="http://schemas.openxmlformats.org/presentationml/2006/main">
   <p:cSld>
@@ -4910,6 +5150,29 @@
       </p:grpSpPr>
       <p:sp>
         <p:nvSpPr>
+          <p:cNvPr id="2" name="Title 1"/>
+          <p:cNvSpPr>
+            <a:spLocks noGrp="1"/>
+          </p:cNvSpPr>
+          <p:nvPr>
+            <p:ph type="title"/>
+          </p:nvPr>
+        </p:nvSpPr>
+        <p:spPr/>
+        <p:txBody>
+          <a:bodyPr/>
+          <a:lstStyle/>
+          <a:p>
+            <a:r>
+              <a:rPr lang="en-US" dirty="0" smtClean="0"/>
+              <a:t>Four 4’s Activity</a:t>
+            </a:r>
+            <a:endParaRPr lang="en-US" dirty="0"/>
+          </a:p>
+        </p:txBody>
+      </p:sp>
+      <p:sp>
+        <p:nvSpPr>
           <p:cNvPr id="3" name="Content Placeholder 2"/>
           <p:cNvSpPr>
             <a:spLocks noGrp="1"/>
@@ -4918,84 +5181,40 @@
             <p:ph idx="1"/>
           </p:nvPr>
         </p:nvSpPr>
-        <p:spPr>
-          <a:xfrm>
-            <a:off x="387927" y="221673"/>
-            <a:ext cx="10584873" cy="6456218"/>
-          </a:xfrm>
-        </p:spPr>
+        <p:spPr/>
         <p:txBody>
           <a:bodyPr>
-            <a:noAutofit/>
+            <a:normAutofit lnSpcReduction="10000"/>
           </a:bodyPr>
           <a:lstStyle/>
           <a:p>
             <a:r>
-              <a:rPr lang="en-US" sz="3400" dirty="0" smtClean="0"/>
-              <a:t>1								11	</a:t>
-            </a:r>
-          </a:p>
-          <a:p>
-            <a:r>
-              <a:rPr lang="en-US" sz="3400" dirty="0" smtClean="0"/>
-              <a:t>2								12</a:t>
-            </a:r>
-          </a:p>
-          <a:p>
-            <a:r>
-              <a:rPr lang="en-US" sz="3400" dirty="0" smtClean="0"/>
-              <a:t>3								13</a:t>
-            </a:r>
-          </a:p>
-          <a:p>
-            <a:r>
-              <a:rPr lang="en-US" sz="3400" dirty="0" smtClean="0"/>
-              <a:t>4								14</a:t>
-            </a:r>
-          </a:p>
-          <a:p>
-            <a:r>
-              <a:rPr lang="en-US" sz="3400" dirty="0" smtClean="0"/>
-              <a:t>5								15</a:t>
-            </a:r>
-          </a:p>
-          <a:p>
-            <a:r>
-              <a:rPr lang="en-US" sz="3400" dirty="0" smtClean="0"/>
-              <a:t>6								16</a:t>
-            </a:r>
-          </a:p>
-          <a:p>
-            <a:r>
-              <a:rPr lang="en-US" sz="3400" dirty="0" smtClean="0"/>
-              <a:t>7								17</a:t>
-            </a:r>
-          </a:p>
-          <a:p>
-            <a:r>
-              <a:rPr lang="en-US" sz="3400" dirty="0" smtClean="0"/>
-              <a:t>8								18</a:t>
-            </a:r>
-          </a:p>
-          <a:p>
-            <a:r>
-              <a:rPr lang="en-US" sz="3400" dirty="0" smtClean="0"/>
-              <a:t>9								19</a:t>
-            </a:r>
-          </a:p>
-          <a:p>
-            <a:r>
-              <a:rPr lang="en-US" sz="3400" dirty="0" smtClean="0"/>
-              <a:t>10								20</a:t>
-            </a:r>
-            <a:endParaRPr lang="en-US" sz="3400" dirty="0"/>
+              <a:rPr lang="en-US" sz="3600" dirty="0" smtClean="0"/>
+              <a:t>Groups of 3 – 4 </a:t>
+            </a:r>
+          </a:p>
+          <a:p>
+            <a:r>
+              <a:rPr lang="en-US" sz="3600" dirty="0" smtClean="0"/>
+              <a:t>Create a list from 1–20 in which you use four 4s and any math operation</a:t>
+            </a:r>
+          </a:p>
+          <a:p>
+            <a:endParaRPr lang="en-US" sz="3600" dirty="0"/>
+          </a:p>
+          <a:p>
+            <a:r>
+              <a:rPr lang="en-US" sz="3600" dirty="0" smtClean="0"/>
+              <a:t>We’ll begin to fill out the chart on the next slide in 10 – 12 minutes</a:t>
+            </a:r>
+            <a:endParaRPr lang="en-US" sz="3600" dirty="0"/>
           </a:p>
         </p:txBody>
       </p:sp>
     </p:spTree>
     <p:extLst>
       <p:ext uri="{BB962C8B-B14F-4D97-AF65-F5344CB8AC3E}">
-        <p14:creationId xmlns:p14="http://schemas.microsoft.com/office/powerpoint/2010/main" val="1961774669"/>
+        <p14:creationId xmlns:p14="http://schemas.microsoft.com/office/powerpoint/2010/main" val="45656652"/>
       </p:ext>
     </p:extLst>
   </p:cSld>
@@ -5031,80 +5250,92 @@
       </p:grpSpPr>
       <p:sp>
         <p:nvSpPr>
-          <p:cNvPr id="2" name="Title 1"/>
-          <p:cNvSpPr>
-            <a:spLocks noGrp="1"/>
-          </p:cNvSpPr>
-          <p:nvPr>
-            <p:ph type="title"/>
-          </p:nvPr>
-        </p:nvSpPr>
-        <p:spPr/>
-        <p:txBody>
-          <a:bodyPr/>
-          <a:lstStyle/>
-          <a:p>
-            <a:r>
-              <a:rPr lang="en-US" dirty="0" smtClean="0"/>
-              <a:t>Can you use Four 4’s to make negative numbers? </a:t>
-            </a:r>
-            <a:endParaRPr lang="en-US" dirty="0"/>
-          </a:p>
-        </p:txBody>
-      </p:sp>
-      <p:sp>
-        <p:nvSpPr>
-          <p:cNvPr id="4" name="Title 1"/>
-          <p:cNvSpPr txBox="1">
-            <a:spLocks/>
-          </p:cNvSpPr>
-          <p:nvPr/>
+          <p:cNvPr id="3" name="Content Placeholder 2"/>
+          <p:cNvSpPr>
+            <a:spLocks noGrp="1"/>
+          </p:cNvSpPr>
+          <p:nvPr>
+            <p:ph idx="1"/>
+          </p:nvPr>
         </p:nvSpPr>
         <p:spPr>
           <a:xfrm>
-            <a:off x="1371600" y="2667000"/>
-            <a:ext cx="9601200" cy="1485900"/>
+            <a:off x="387927" y="221673"/>
+            <a:ext cx="10584873" cy="6456218"/>
           </a:xfrm>
-          <a:prstGeom prst="rect">
-            <a:avLst/>
-          </a:prstGeom>
         </p:spPr>
         <p:txBody>
-          <a:bodyPr vert="horz" lIns="91440" tIns="45720" rIns="91440" bIns="45720" rtlCol="0" anchor="t">
-            <a:normAutofit/>
+          <a:bodyPr>
+            <a:noAutofit/>
           </a:bodyPr>
-          <a:lstStyle>
-            <a:lvl1pPr algn="l" defTabSz="914400" rtl="0" eaLnBrk="1" latinLnBrk="0" hangingPunct="1">
-              <a:lnSpc>
-                <a:spcPct val="89000"/>
-              </a:lnSpc>
-              <a:spcBef>
-                <a:spcPct val="0"/>
-              </a:spcBef>
-              <a:buNone/>
-              <a:defRPr sz="4400" kern="1200" baseline="0">
-                <a:solidFill>
-                  <a:schemeClr val="tx2"/>
-                </a:solidFill>
-                <a:latin typeface="+mj-lt"/>
-                <a:ea typeface="+mj-ea"/>
-                <a:cs typeface="+mj-cs"/>
-              </a:defRPr>
-            </a:lvl1pPr>
-          </a:lstStyle>
-          <a:p>
-            <a:r>
-              <a:rPr lang="en-US" dirty="0" smtClean="0"/>
-              <a:t>How many number’s can you create with Five 5’s?</a:t>
-            </a:r>
-            <a:endParaRPr lang="en-US" dirty="0"/>
+          <a:lstStyle/>
+          <a:p>
+            <a:r>
+              <a:rPr lang="en-US" sz="3400" dirty="0" smtClean="0"/>
+              <a:t>1								11	</a:t>
+            </a:r>
+          </a:p>
+          <a:p>
+            <a:r>
+              <a:rPr lang="en-US" sz="3400" dirty="0" smtClean="0"/>
+              <a:t>2								12</a:t>
+            </a:r>
+          </a:p>
+          <a:p>
+            <a:r>
+              <a:rPr lang="en-US" sz="3400" dirty="0" smtClean="0"/>
+              <a:t>3								13</a:t>
+            </a:r>
+          </a:p>
+          <a:p>
+            <a:r>
+              <a:rPr lang="en-US" sz="3400" dirty="0" smtClean="0"/>
+              <a:t>4								14</a:t>
+            </a:r>
+          </a:p>
+          <a:p>
+            <a:r>
+              <a:rPr lang="en-US" sz="3400" dirty="0" smtClean="0"/>
+              <a:t>5								15</a:t>
+            </a:r>
+          </a:p>
+          <a:p>
+            <a:r>
+              <a:rPr lang="en-US" sz="3400" dirty="0" smtClean="0"/>
+              <a:t>6								16</a:t>
+            </a:r>
+          </a:p>
+          <a:p>
+            <a:r>
+              <a:rPr lang="en-US" sz="3400" dirty="0" smtClean="0"/>
+              <a:t>7								17</a:t>
+            </a:r>
+          </a:p>
+          <a:p>
+            <a:r>
+              <a:rPr lang="en-US" sz="3400" dirty="0" smtClean="0"/>
+              <a:t>8								18</a:t>
+            </a:r>
+          </a:p>
+          <a:p>
+            <a:r>
+              <a:rPr lang="en-US" sz="3400" dirty="0" smtClean="0"/>
+              <a:t>9								19</a:t>
+            </a:r>
+          </a:p>
+          <a:p>
+            <a:r>
+              <a:rPr lang="en-US" sz="3400" dirty="0" smtClean="0"/>
+              <a:t>10								20</a:t>
+            </a:r>
+            <a:endParaRPr lang="en-US" sz="3400" dirty="0"/>
           </a:p>
         </p:txBody>
       </p:sp>
     </p:spTree>
     <p:extLst>
       <p:ext uri="{BB962C8B-B14F-4D97-AF65-F5344CB8AC3E}">
-        <p14:creationId xmlns:p14="http://schemas.microsoft.com/office/powerpoint/2010/main" val="2653855396"/>
+        <p14:creationId xmlns:p14="http://schemas.microsoft.com/office/powerpoint/2010/main" val="1961774669"/>
       </p:ext>
     </p:extLst>
   </p:cSld>
@@ -5155,76 +5386,175 @@
           <a:p>
             <a:r>
               <a:rPr lang="en-US" dirty="0" smtClean="0"/>
-              <a:t>Reflection (10 - 12 minutes)</a:t>
-            </a:r>
-            <a:br>
-              <a:rPr lang="en-US" dirty="0" smtClean="0"/>
-            </a:br>
-            <a:r>
-              <a:rPr lang="en-US" dirty="0"/>
-              <a:t>	</a:t>
-            </a:r>
-            <a:r>
-              <a:rPr lang="en-US" dirty="0" smtClean="0"/>
-              <a:t>(write a few down on your board)</a:t>
-            </a:r>
-            <a:endParaRPr lang="en-US" dirty="0"/>
-          </a:p>
-        </p:txBody>
-      </p:sp>
-      <p:sp>
-        <p:nvSpPr>
-          <p:cNvPr id="3" name="Content Placeholder 2"/>
-          <p:cNvSpPr>
-            <a:spLocks noGrp="1"/>
-          </p:cNvSpPr>
-          <p:nvPr>
-            <p:ph idx="1"/>
-          </p:nvPr>
+              <a:t>HLQs:</a:t>
+            </a:r>
+            <a:endParaRPr lang="en-US" dirty="0"/>
+          </a:p>
+        </p:txBody>
+      </p:sp>
+      <p:sp>
+        <p:nvSpPr>
+          <p:cNvPr id="4" name="Title 1"/>
+          <p:cNvSpPr txBox="1">
+            <a:spLocks/>
+          </p:cNvSpPr>
+          <p:nvPr/>
         </p:nvSpPr>
         <p:spPr>
           <a:xfrm>
-            <a:off x="1371600" y="2285999"/>
-            <a:ext cx="9601200" cy="4253345"/>
+            <a:off x="1371600" y="3634067"/>
+            <a:ext cx="9601200" cy="1485900"/>
           </a:xfrm>
+          <a:prstGeom prst="rect">
+            <a:avLst/>
+          </a:prstGeom>
         </p:spPr>
         <p:txBody>
-          <a:bodyPr>
+          <a:bodyPr vert="horz" lIns="91440" tIns="45720" rIns="91440" bIns="45720" rtlCol="0" anchor="t">
             <a:normAutofit/>
           </a:bodyPr>
-          <a:lstStyle/>
-          <a:p>
-            <a:r>
-              <a:rPr lang="en-US" sz="3400" dirty="0" smtClean="0"/>
-              <a:t>What things do you like people to say and/or do when you are working on a math problem in a group? </a:t>
-            </a:r>
-          </a:p>
-          <a:p>
-            <a:endParaRPr lang="en-US" sz="3400" dirty="0" smtClean="0"/>
-          </a:p>
-          <a:p>
-            <a:r>
-              <a:rPr lang="en-US" sz="3400" dirty="0"/>
-              <a:t>What things do you </a:t>
-            </a:r>
-            <a:r>
-              <a:rPr lang="en-US" sz="3400" dirty="0" smtClean="0"/>
-              <a:t>not like </a:t>
-            </a:r>
-            <a:r>
-              <a:rPr lang="en-US" sz="3400" dirty="0"/>
-              <a:t>people to say and/or do when you are working on a math problem in a group? </a:t>
-            </a:r>
-          </a:p>
-          <a:p>
-            <a:endParaRPr lang="en-US" sz="3400" dirty="0"/>
+          <a:lstStyle>
+            <a:lvl1pPr algn="l" defTabSz="914400" rtl="0" eaLnBrk="1" latinLnBrk="0" hangingPunct="1">
+              <a:lnSpc>
+                <a:spcPct val="89000"/>
+              </a:lnSpc>
+              <a:spcBef>
+                <a:spcPct val="0"/>
+              </a:spcBef>
+              <a:buNone/>
+              <a:defRPr sz="4400" kern="1200" baseline="0">
+                <a:solidFill>
+                  <a:schemeClr val="tx2"/>
+                </a:solidFill>
+                <a:latin typeface="+mj-lt"/>
+                <a:ea typeface="+mj-ea"/>
+                <a:cs typeface="+mj-cs"/>
+              </a:defRPr>
+            </a:lvl1pPr>
+          </a:lstStyle>
+          <a:p>
+            <a:r>
+              <a:rPr lang="en-US" dirty="0" smtClean="0"/>
+              <a:t>How many number’s can you create </a:t>
+            </a:r>
+            <a:r>
+              <a:rPr lang="en-US" dirty="0" smtClean="0"/>
+              <a:t>using Five </a:t>
+            </a:r>
+            <a:r>
+              <a:rPr lang="en-US" dirty="0" smtClean="0"/>
+              <a:t>5’s?</a:t>
+            </a:r>
+            <a:endParaRPr lang="en-US" dirty="0"/>
+          </a:p>
+        </p:txBody>
+      </p:sp>
+      <p:sp>
+        <p:nvSpPr>
+          <p:cNvPr id="5" name="Title 1"/>
+          <p:cNvSpPr txBox="1">
+            <a:spLocks/>
+          </p:cNvSpPr>
+          <p:nvPr/>
+        </p:nvSpPr>
+        <p:spPr>
+          <a:xfrm>
+            <a:off x="1371600" y="1941979"/>
+            <a:ext cx="9601200" cy="1485900"/>
+          </a:xfrm>
+          <a:prstGeom prst="rect">
+            <a:avLst/>
+          </a:prstGeom>
+        </p:spPr>
+        <p:txBody>
+          <a:bodyPr vert="horz" lIns="91440" tIns="45720" rIns="91440" bIns="45720" rtlCol="0" anchor="t">
+            <a:normAutofit/>
+          </a:bodyPr>
+          <a:lstStyle>
+            <a:lvl1pPr algn="l" defTabSz="914400" rtl="0" eaLnBrk="1" latinLnBrk="0" hangingPunct="1">
+              <a:lnSpc>
+                <a:spcPct val="89000"/>
+              </a:lnSpc>
+              <a:spcBef>
+                <a:spcPct val="0"/>
+              </a:spcBef>
+              <a:buNone/>
+              <a:defRPr sz="4400" kern="1200" baseline="0">
+                <a:solidFill>
+                  <a:schemeClr val="tx2"/>
+                </a:solidFill>
+                <a:latin typeface="+mj-lt"/>
+                <a:ea typeface="+mj-ea"/>
+                <a:cs typeface="+mj-cs"/>
+              </a:defRPr>
+            </a:lvl1pPr>
+          </a:lstStyle>
+          <a:p>
+            <a:r>
+              <a:rPr lang="en-US" dirty="0" smtClean="0"/>
+              <a:t>Can you use Four 4’s to make negative numbers</a:t>
+            </a:r>
+            <a:r>
+              <a:rPr lang="en-US" dirty="0" smtClean="0"/>
+              <a:t>? How or why not? </a:t>
+            </a:r>
+            <a:endParaRPr lang="en-US" dirty="0"/>
+          </a:p>
+        </p:txBody>
+      </p:sp>
+      <p:sp>
+        <p:nvSpPr>
+          <p:cNvPr id="6" name="Title 1"/>
+          <p:cNvSpPr txBox="1">
+            <a:spLocks/>
+          </p:cNvSpPr>
+          <p:nvPr/>
+        </p:nvSpPr>
+        <p:spPr>
+          <a:xfrm>
+            <a:off x="1371600" y="5326156"/>
+            <a:ext cx="9601200" cy="1485900"/>
+          </a:xfrm>
+          <a:prstGeom prst="rect">
+            <a:avLst/>
+          </a:prstGeom>
+        </p:spPr>
+        <p:txBody>
+          <a:bodyPr vert="horz" lIns="91440" tIns="45720" rIns="91440" bIns="45720" rtlCol="0" anchor="t">
+            <a:normAutofit/>
+          </a:bodyPr>
+          <a:lstStyle>
+            <a:lvl1pPr algn="l" defTabSz="914400" rtl="0" eaLnBrk="1" latinLnBrk="0" hangingPunct="1">
+              <a:lnSpc>
+                <a:spcPct val="89000"/>
+              </a:lnSpc>
+              <a:spcBef>
+                <a:spcPct val="0"/>
+              </a:spcBef>
+              <a:buNone/>
+              <a:defRPr sz="4400" kern="1200" baseline="0">
+                <a:solidFill>
+                  <a:schemeClr val="tx2"/>
+                </a:solidFill>
+                <a:latin typeface="+mj-lt"/>
+                <a:ea typeface="+mj-ea"/>
+                <a:cs typeface="+mj-cs"/>
+              </a:defRPr>
+            </a:lvl1pPr>
+          </a:lstStyle>
+          <a:p>
+            <a:r>
+              <a:rPr lang="en-US" dirty="0" smtClean="0"/>
+              <a:t>What was special about the 4s?</a:t>
+            </a:r>
+            <a:endParaRPr lang="en-US" dirty="0"/>
           </a:p>
         </p:txBody>
       </p:sp>
     </p:spTree>
     <p:extLst>
       <p:ext uri="{BB962C8B-B14F-4D97-AF65-F5344CB8AC3E}">
-        <p14:creationId xmlns:p14="http://schemas.microsoft.com/office/powerpoint/2010/main" val="151891373"/>
+        <p14:creationId xmlns:p14="http://schemas.microsoft.com/office/powerpoint/2010/main" val="2653855396"/>
       </p:ext>
     </p:extLst>
   </p:cSld>
@@ -5275,7 +5605,18 @@
           <a:p>
             <a:r>
               <a:rPr lang="en-US" dirty="0" smtClean="0"/>
-              <a:t>Video</a:t>
+              <a:t>Reflection (10 - 12 minutes)</a:t>
+            </a:r>
+            <a:br>
+              <a:rPr lang="en-US" dirty="0" smtClean="0"/>
+            </a:br>
+            <a:r>
+              <a:rPr lang="en-US" dirty="0"/>
+              <a:t>	</a:t>
+            </a:r>
+            <a:r>
+              <a:rPr lang="en-US" dirty="0" smtClean="0"/>
+              <a:t>(write a few down on your board)</a:t>
             </a:r>
             <a:endParaRPr lang="en-US" dirty="0"/>
           </a:p>
@@ -5291,7 +5632,12 @@
             <p:ph idx="1"/>
           </p:nvPr>
         </p:nvSpPr>
-        <p:spPr/>
+        <p:spPr>
+          <a:xfrm>
+            <a:off x="1371600" y="2285999"/>
+            <a:ext cx="9601200" cy="4253345"/>
+          </a:xfrm>
+        </p:spPr>
         <p:txBody>
           <a:bodyPr>
             <a:normAutofit/>
@@ -5299,22 +5645,49 @@
           <a:lstStyle/>
           <a:p>
             <a:r>
+              <a:rPr lang="en-US" sz="3400" dirty="0" smtClean="0"/>
+              <a:t>What things do you like people to say and/or do when you are working on a math problem in a group? </a:t>
+            </a:r>
+          </a:p>
+          <a:p>
+            <a:endParaRPr lang="en-US" sz="3400" dirty="0" smtClean="0"/>
+          </a:p>
+          <a:p>
+            <a:r>
               <a:rPr lang="en-US" sz="3400" dirty="0"/>
-              <a:t>https://bhi61nm2cr3mkdgk1dtaov18-wpengine.netdna-ssl.com/wp-content/uploads/2017/07/Day-2-Brain-Crossing.mp4</a:t>
-            </a:r>
+              <a:t>What things do you </a:t>
+            </a:r>
+            <a:r>
+              <a:rPr lang="en-US" sz="3400" dirty="0" smtClean="0"/>
+              <a:t>not like </a:t>
+            </a:r>
+            <a:r>
+              <a:rPr lang="en-US" sz="3400" dirty="0"/>
+              <a:t>people to say and/or do when you are working on a math problem in a group? </a:t>
+            </a:r>
+          </a:p>
+          <a:p>
+            <a:endParaRPr lang="en-US" sz="3400" dirty="0"/>
           </a:p>
         </p:txBody>
       </p:sp>
     </p:spTree>
     <p:extLst>
       <p:ext uri="{BB962C8B-B14F-4D97-AF65-F5344CB8AC3E}">
-        <p14:creationId xmlns:p14="http://schemas.microsoft.com/office/powerpoint/2010/main" val="853545350"/>
+        <p14:creationId xmlns:p14="http://schemas.microsoft.com/office/powerpoint/2010/main" val="151891373"/>
       </p:ext>
     </p:extLst>
   </p:cSld>
   <p:clrMapOvr>
     <a:masterClrMapping/>
   </p:clrMapOvr>
+  <p:timing>
+    <p:tnLst>
+      <p:par>
+        <p:cTn id="1" dur="indefinite" restart="never" nodeType="tmRoot"/>
+      </p:par>
+    </p:tnLst>
+  </p:timing>
 </p:sld>
 </file>
 
